--- a/web/Leitura_e_Aprendizagem/Matemática/Aritmetica/Adicao/0000_INTRODUÇÃO.pptx
+++ b/web/Leitura_e_Aprendizagem/Matemática/Aritmetica/Adicao/0000_INTRODUÇÃO.pptx
@@ -8,13 +8,13 @@
     <p:notesMasterId r:id="rId9"/>
   </p:notesMasterIdLst>
   <p:sldIdLst>
-    <p:sldId id="291" r:id="rId2"/>
+    <p:sldId id="296" r:id="rId2"/>
     <p:sldId id="274" r:id="rId3"/>
     <p:sldId id="292" r:id="rId4"/>
     <p:sldId id="293" r:id="rId5"/>
     <p:sldId id="294" r:id="rId6"/>
     <p:sldId id="295" r:id="rId7"/>
-    <p:sldId id="290" r:id="rId8"/>
+    <p:sldId id="297" r:id="rId8"/>
   </p:sldIdLst>
   <p:sldSz cx="8959850" cy="5040313"/>
   <p:notesSz cx="6858000" cy="9144000"/>
@@ -117,18 +117,18 @@
     <p:ext uri="{521415D9-36F7-43E2-AB2F-B90AF26B5E84}">
       <p14:sectionLst xmlns:p14="http://schemas.microsoft.com/office/powerpoint/2010/main">
         <p14:section name="Seção Padrão" id="{054ED537-08B6-4BEC-A565-915FCA464A2D}">
-          <p14:sldIdLst/>
-        </p14:section>
-        <p14:section name="Seção sem Título" id="{9F0E8D2D-0646-4FFA-B968-EA068A8B201F}">
           <p14:sldIdLst>
-            <p14:sldId id="291"/>
+            <p14:sldId id="296"/>
             <p14:sldId id="274"/>
             <p14:sldId id="292"/>
             <p14:sldId id="293"/>
             <p14:sldId id="294"/>
             <p14:sldId id="295"/>
-            <p14:sldId id="290"/>
+            <p14:sldId id="297"/>
           </p14:sldIdLst>
+        </p14:section>
+        <p14:section name="Seção sem Título" id="{9F0E8D2D-0646-4FFA-B968-EA068A8B201F}">
+          <p14:sldIdLst/>
         </p14:section>
       </p14:sectionLst>
     </p:ext>
@@ -245,7 +245,7 @@
           <a:p>
             <a:fld id="{8E16BBD4-8911-4A0F-AA6A-6D6D8349903B}" type="datetimeFigureOut">
               <a:rPr lang="pt-BR" smtClean="0"/>
-              <a:t>24/11/2019</a:t>
+              <a:t>10/06/2020</a:t>
             </a:fld>
             <a:endParaRPr lang="pt-BR"/>
           </a:p>
@@ -595,7 +595,7 @@
     </p:spTree>
     <p:extLst>
       <p:ext uri="{BB962C8B-B14F-4D97-AF65-F5344CB8AC3E}">
-        <p14:creationId xmlns:p14="http://schemas.microsoft.com/office/powerpoint/2010/main" val="3368066528"/>
+        <p14:creationId xmlns:p14="http://schemas.microsoft.com/office/powerpoint/2010/main" val="541538938"/>
       </p:ext>
     </p:extLst>
   </p:cSld>
@@ -1141,7 +1141,7 @@
     </p:spTree>
     <p:extLst>
       <p:ext uri="{BB962C8B-B14F-4D97-AF65-F5344CB8AC3E}">
-        <p14:creationId xmlns:p14="http://schemas.microsoft.com/office/powerpoint/2010/main" val="1834642852"/>
+        <p14:creationId xmlns:p14="http://schemas.microsoft.com/office/powerpoint/2010/main" val="2751763262"/>
       </p:ext>
     </p:extLst>
   </p:cSld>
@@ -1283,7 +1283,7 @@
             <a:fld id="{F8BDB6AA-63F8-4F31-8EA3-CB6FE8D9515C}" type="datetimeFigureOut">
               <a:rPr lang="pt-BR" smtClean="0"/>
               <a:pPr/>
-              <a:t>24/11/2019</a:t>
+              <a:t>10/06/2020</a:t>
             </a:fld>
             <a:endParaRPr lang="pt-BR"/>
           </a:p>
@@ -1455,7 +1455,7 @@
             <a:fld id="{F8BDB6AA-63F8-4F31-8EA3-CB6FE8D9515C}" type="datetimeFigureOut">
               <a:rPr lang="pt-BR" smtClean="0"/>
               <a:pPr/>
-              <a:t>24/11/2019</a:t>
+              <a:t>10/06/2020</a:t>
             </a:fld>
             <a:endParaRPr lang="pt-BR"/>
           </a:p>
@@ -1637,7 +1637,7 @@
             <a:fld id="{F8BDB6AA-63F8-4F31-8EA3-CB6FE8D9515C}" type="datetimeFigureOut">
               <a:rPr lang="pt-BR" smtClean="0"/>
               <a:pPr/>
-              <a:t>24/11/2019</a:t>
+              <a:t>10/06/2020</a:t>
             </a:fld>
             <a:endParaRPr lang="pt-BR"/>
           </a:p>
@@ -1809,7 +1809,7 @@
             <a:fld id="{F8BDB6AA-63F8-4F31-8EA3-CB6FE8D9515C}" type="datetimeFigureOut">
               <a:rPr lang="pt-BR" smtClean="0"/>
               <a:pPr/>
-              <a:t>24/11/2019</a:t>
+              <a:t>10/06/2020</a:t>
             </a:fld>
             <a:endParaRPr lang="pt-BR"/>
           </a:p>
@@ -2057,7 +2057,7 @@
             <a:fld id="{F8BDB6AA-63F8-4F31-8EA3-CB6FE8D9515C}" type="datetimeFigureOut">
               <a:rPr lang="pt-BR" smtClean="0"/>
               <a:pPr/>
-              <a:t>24/11/2019</a:t>
+              <a:t>10/06/2020</a:t>
             </a:fld>
             <a:endParaRPr lang="pt-BR"/>
           </a:p>
@@ -2291,7 +2291,7 @@
             <a:fld id="{F8BDB6AA-63F8-4F31-8EA3-CB6FE8D9515C}" type="datetimeFigureOut">
               <a:rPr lang="pt-BR" smtClean="0"/>
               <a:pPr/>
-              <a:t>24/11/2019</a:t>
+              <a:t>10/06/2020</a:t>
             </a:fld>
             <a:endParaRPr lang="pt-BR"/>
           </a:p>
@@ -2660,7 +2660,7 @@
             <a:fld id="{F8BDB6AA-63F8-4F31-8EA3-CB6FE8D9515C}" type="datetimeFigureOut">
               <a:rPr lang="pt-BR" smtClean="0"/>
               <a:pPr/>
-              <a:t>24/11/2019</a:t>
+              <a:t>10/06/2020</a:t>
             </a:fld>
             <a:endParaRPr lang="pt-BR"/>
           </a:p>
@@ -2780,7 +2780,7 @@
             <a:fld id="{F8BDB6AA-63F8-4F31-8EA3-CB6FE8D9515C}" type="datetimeFigureOut">
               <a:rPr lang="pt-BR" smtClean="0"/>
               <a:pPr/>
-              <a:t>24/11/2019</a:t>
+              <a:t>10/06/2020</a:t>
             </a:fld>
             <a:endParaRPr lang="pt-BR"/>
           </a:p>
@@ -2877,7 +2877,7 @@
             <a:fld id="{F8BDB6AA-63F8-4F31-8EA3-CB6FE8D9515C}" type="datetimeFigureOut">
               <a:rPr lang="pt-BR" smtClean="0"/>
               <a:pPr/>
-              <a:t>24/11/2019</a:t>
+              <a:t>10/06/2020</a:t>
             </a:fld>
             <a:endParaRPr lang="pt-BR"/>
           </a:p>
@@ -3156,7 +3156,7 @@
             <a:fld id="{F8BDB6AA-63F8-4F31-8EA3-CB6FE8D9515C}" type="datetimeFigureOut">
               <a:rPr lang="pt-BR" smtClean="0"/>
               <a:pPr/>
-              <a:t>24/11/2019</a:t>
+              <a:t>10/06/2020</a:t>
             </a:fld>
             <a:endParaRPr lang="pt-BR"/>
           </a:p>
@@ -3415,7 +3415,7 @@
             <a:fld id="{F8BDB6AA-63F8-4F31-8EA3-CB6FE8D9515C}" type="datetimeFigureOut">
               <a:rPr lang="pt-BR" smtClean="0"/>
               <a:pPr/>
-              <a:t>24/11/2019</a:t>
+              <a:t>10/06/2020</a:t>
             </a:fld>
             <a:endParaRPr lang="pt-BR"/>
           </a:p>
@@ -3639,7 +3639,7 @@
             <a:fld id="{F8BDB6AA-63F8-4F31-8EA3-CB6FE8D9515C}" type="datetimeFigureOut">
               <a:rPr lang="pt-BR" smtClean="0"/>
               <a:pPr/>
-              <a:t>24/11/2019</a:t>
+              <a:t>10/06/2020</a:t>
             </a:fld>
             <a:endParaRPr lang="pt-BR"/>
           </a:p>
@@ -4048,6 +4048,66 @@
           <a:chExt cx="0" cy="0"/>
         </a:xfrm>
       </p:grpSpPr>
+      <p:pic>
+        <p:nvPicPr>
+          <p:cNvPr id="2" name="Imagem 1"/>
+          <p:cNvPicPr>
+            <a:picLocks noChangeAspect="1"/>
+          </p:cNvPicPr>
+          <p:nvPr/>
+        </p:nvPicPr>
+        <p:blipFill>
+          <a:blip r:embed="rId3">
+            <a:extLst>
+              <a:ext uri="{28A0092B-C50C-407E-A947-70E740481C1C}">
+                <a14:useLocalDpi xmlns:a14="http://schemas.microsoft.com/office/drawing/2010/main" val="0"/>
+              </a:ext>
+            </a:extLst>
+          </a:blip>
+          <a:stretch>
+            <a:fillRect/>
+          </a:stretch>
+        </p:blipFill>
+        <p:spPr>
+          <a:xfrm>
+            <a:off x="317500" y="228600"/>
+            <a:ext cx="8369300" cy="4521201"/>
+          </a:xfrm>
+          <a:prstGeom prst="rect">
+            <a:avLst/>
+          </a:prstGeom>
+        </p:spPr>
+      </p:pic>
+      <p:pic>
+        <p:nvPicPr>
+          <p:cNvPr id="3" name="Imagem 2"/>
+          <p:cNvPicPr>
+            <a:picLocks noChangeAspect="1"/>
+          </p:cNvPicPr>
+          <p:nvPr/>
+        </p:nvPicPr>
+        <p:blipFill>
+          <a:blip r:embed="rId4">
+            <a:extLst>
+              <a:ext uri="{28A0092B-C50C-407E-A947-70E740481C1C}">
+                <a14:useLocalDpi xmlns:a14="http://schemas.microsoft.com/office/drawing/2010/main" val="0"/>
+              </a:ext>
+            </a:extLst>
+          </a:blip>
+          <a:stretch>
+            <a:fillRect/>
+          </a:stretch>
+        </p:blipFill>
+        <p:spPr>
+          <a:xfrm>
+            <a:off x="317500" y="229861"/>
+            <a:ext cx="8369300" cy="4544552"/>
+          </a:xfrm>
+          <a:prstGeom prst="rect">
+            <a:avLst/>
+          </a:prstGeom>
+        </p:spPr>
+      </p:pic>
       <p:sp>
         <p:nvSpPr>
           <p:cNvPr id="14" name="Rectangle 13">
@@ -4062,8 +4122,8 @@
         </p:nvSpPr>
         <p:spPr>
           <a:xfrm>
-            <a:off x="516367" y="1550660"/>
-            <a:ext cx="8143540" cy="1754326"/>
+            <a:off x="4144510" y="3020087"/>
+            <a:ext cx="4353314" cy="1754326"/>
           </a:xfrm>
           <a:prstGeom prst="rect">
             <a:avLst/>
@@ -4077,25 +4137,6 @@
           <a:lstStyle/>
           <a:p>
             <a:pPr algn="ctr"/>
-            <a:r>
-              <a:rPr lang="en-US" sz="5400" b="1" dirty="0">
-                <a:ln w="12700">
-                  <a:solidFill>
-                    <a:schemeClr val="accent1"/>
-                  </a:solidFill>
-                  <a:prstDash val="solid"/>
-                </a:ln>
-                <a:solidFill>
-                  <a:srgbClr val="FFFF00"/>
-                </a:solidFill>
-                <a:effectLst>
-                  <a:outerShdw dist="38100" dir="2640000" algn="bl" rotWithShape="0">
-                    <a:schemeClr val="accent1"/>
-                  </a:outerShdw>
-                </a:effectLst>
-              </a:rPr>
-              <a:t>Matemática </a:t>
-            </a:r>
             <a:r>
               <a:rPr lang="en-US" sz="5400" b="1" dirty="0" smtClean="0">
                 <a:ln w="12700">
@@ -4113,7 +4154,7 @@
                   </a:outerShdw>
                 </a:effectLst>
               </a:rPr>
-              <a:t>– Adição - Introdução</a:t>
+              <a:t>INTRODUÇÃO À ADIÇÃO</a:t>
             </a:r>
             <a:endParaRPr lang="en-US" sz="5400" b="1" cap="none" spc="0" dirty="0">
               <a:ln w="12700">
@@ -4134,10 +4175,67 @@
           </a:p>
         </p:txBody>
       </p:sp>
+      <p:sp>
+        <p:nvSpPr>
+          <p:cNvPr id="6" name="Rectangle 13">
+            <a:extLst>
+              <a:ext uri="{FF2B5EF4-FFF2-40B4-BE49-F238E27FC236}">
+                <a16:creationId xmlns="" xmlns:a16="http://schemas.microsoft.com/office/drawing/2014/main" id="{52670CB7-6F96-4BDF-AF66-75B2EA21419B}"/>
+              </a:ext>
+            </a:extLst>
+          </p:cNvPr>
+          <p:cNvSpPr/>
+          <p:nvPr/>
+        </p:nvSpPr>
+        <p:spPr>
+          <a:xfrm>
+            <a:off x="231648" y="3449563"/>
+            <a:ext cx="2670048" cy="615553"/>
+          </a:xfrm>
+          <a:prstGeom prst="rect">
+            <a:avLst/>
+          </a:prstGeom>
+          <a:noFill/>
+        </p:spPr>
+        <p:txBody>
+          <a:bodyPr wrap="square" lIns="91440" tIns="45720" rIns="91440" bIns="45720">
+            <a:spAutoFit/>
+          </a:bodyPr>
+          <a:lstStyle/>
+          <a:p>
+            <a:pPr algn="ctr"/>
+            <a:r>
+              <a:rPr lang="en-US" sz="3400" b="1" dirty="0" smtClean="0">
+                <a:ln w="12700">
+                  <a:solidFill>
+                    <a:schemeClr val="accent1"/>
+                  </a:solidFill>
+                  <a:prstDash val="solid"/>
+                </a:ln>
+                <a:solidFill>
+                  <a:srgbClr val="FFFF00"/>
+                </a:solidFill>
+              </a:rPr>
+              <a:t>MATEMÁTICA</a:t>
+            </a:r>
+            <a:endParaRPr lang="en-US" sz="3400" b="1" cap="none" spc="0" dirty="0">
+              <a:ln w="12700">
+                <a:solidFill>
+                  <a:schemeClr val="accent1"/>
+                </a:solidFill>
+                <a:prstDash val="solid"/>
+              </a:ln>
+              <a:solidFill>
+                <a:srgbClr val="FFFF00"/>
+              </a:solidFill>
+            </a:endParaRPr>
+          </a:p>
+        </p:txBody>
+      </p:sp>
     </p:spTree>
     <p:extLst>
       <p:ext uri="{BB962C8B-B14F-4D97-AF65-F5344CB8AC3E}">
-        <p14:creationId xmlns:p14="http://schemas.microsoft.com/office/powerpoint/2010/main" val="795758697"/>
+        <p14:creationId xmlns:p14="http://schemas.microsoft.com/office/powerpoint/2010/main" val="245737690"/>
       </p:ext>
     </p:extLst>
   </p:cSld>
@@ -5704,6 +5802,66 @@
           <a:chExt cx="0" cy="0"/>
         </a:xfrm>
       </p:grpSpPr>
+      <p:pic>
+        <p:nvPicPr>
+          <p:cNvPr id="2" name="Imagem 1"/>
+          <p:cNvPicPr>
+            <a:picLocks noChangeAspect="1"/>
+          </p:cNvPicPr>
+          <p:nvPr/>
+        </p:nvPicPr>
+        <p:blipFill>
+          <a:blip r:embed="rId3">
+            <a:extLst>
+              <a:ext uri="{28A0092B-C50C-407E-A947-70E740481C1C}">
+                <a14:useLocalDpi xmlns:a14="http://schemas.microsoft.com/office/drawing/2010/main" val="0"/>
+              </a:ext>
+            </a:extLst>
+          </a:blip>
+          <a:stretch>
+            <a:fillRect/>
+          </a:stretch>
+        </p:blipFill>
+        <p:spPr>
+          <a:xfrm>
+            <a:off x="317500" y="228600"/>
+            <a:ext cx="8369300" cy="4521201"/>
+          </a:xfrm>
+          <a:prstGeom prst="rect">
+            <a:avLst/>
+          </a:prstGeom>
+        </p:spPr>
+      </p:pic>
+      <p:pic>
+        <p:nvPicPr>
+          <p:cNvPr id="3" name="Imagem 2"/>
+          <p:cNvPicPr>
+            <a:picLocks noChangeAspect="1"/>
+          </p:cNvPicPr>
+          <p:nvPr/>
+        </p:nvPicPr>
+        <p:blipFill>
+          <a:blip r:embed="rId4">
+            <a:extLst>
+              <a:ext uri="{28A0092B-C50C-407E-A947-70E740481C1C}">
+                <a14:useLocalDpi xmlns:a14="http://schemas.microsoft.com/office/drawing/2010/main" val="0"/>
+              </a:ext>
+            </a:extLst>
+          </a:blip>
+          <a:stretch>
+            <a:fillRect/>
+          </a:stretch>
+        </p:blipFill>
+        <p:spPr>
+          <a:xfrm>
+            <a:off x="317500" y="229861"/>
+            <a:ext cx="8369299" cy="4544552"/>
+          </a:xfrm>
+          <a:prstGeom prst="rect">
+            <a:avLst/>
+          </a:prstGeom>
+        </p:spPr>
+      </p:pic>
       <p:sp>
         <p:nvSpPr>
           <p:cNvPr id="14" name="Rectangle 13">
@@ -5718,7 +5876,7 @@
         </p:nvSpPr>
         <p:spPr>
           <a:xfrm>
-            <a:off x="3073359" y="1550660"/>
+            <a:off x="4825959" y="2810809"/>
             <a:ext cx="2646878" cy="1938992"/>
           </a:xfrm>
           <a:prstGeom prst="rect">
@@ -5774,7 +5932,7 @@
     </p:spTree>
     <p:extLst>
       <p:ext uri="{BB962C8B-B14F-4D97-AF65-F5344CB8AC3E}">
-        <p14:creationId xmlns:p14="http://schemas.microsoft.com/office/powerpoint/2010/main" val="2014525213"/>
+        <p14:creationId xmlns:p14="http://schemas.microsoft.com/office/powerpoint/2010/main" val="3921028026"/>
       </p:ext>
     </p:extLst>
   </p:cSld>
